--- a/ppt 16-9/1006.主怀念我.pptx
+++ b/ppt 16-9/1006.主怀念我.pptx
@@ -129,7 +129,7 @@
           <p:cNvPr id="2" name="标题 1">
             <a:extLst>
               <a:ext uri="{FF2B5EF4-FFF2-40B4-BE49-F238E27FC236}">
-                <a16:creationId xmlns:a16="http://schemas.microsoft.com/office/drawing/2014/main" id="{531F8AED-D5BD-DFE6-3F03-F665AE4736A5}"/>
+                <a16:creationId xmlns:a16="http://schemas.microsoft.com/office/drawing/2014/main" id="{BE3231E5-A8A7-B001-1FD0-1C9A96417F3E}"/>
               </a:ext>
             </a:extLst>
           </p:cNvPr>
@@ -166,7 +166,7 @@
           <p:cNvPr id="3" name="副标题 2">
             <a:extLst>
               <a:ext uri="{FF2B5EF4-FFF2-40B4-BE49-F238E27FC236}">
-                <a16:creationId xmlns:a16="http://schemas.microsoft.com/office/drawing/2014/main" id="{B4B13938-F377-158F-1948-D9495941C8BE}"/>
+                <a16:creationId xmlns:a16="http://schemas.microsoft.com/office/drawing/2014/main" id="{49108344-482F-18D5-5C77-23FF8B38CB1A}"/>
               </a:ext>
             </a:extLst>
           </p:cNvPr>
@@ -236,7 +236,7 @@
           <p:cNvPr id="4" name="日期占位符 3">
             <a:extLst>
               <a:ext uri="{FF2B5EF4-FFF2-40B4-BE49-F238E27FC236}">
-                <a16:creationId xmlns:a16="http://schemas.microsoft.com/office/drawing/2014/main" id="{7190ABA9-7583-204E-8DAE-EB3E15387E81}"/>
+                <a16:creationId xmlns:a16="http://schemas.microsoft.com/office/drawing/2014/main" id="{AA10C42C-0149-A9AE-1544-EA1BF6BAD39A}"/>
               </a:ext>
             </a:extLst>
           </p:cNvPr>
@@ -252,7 +252,7 @@
           <a:bodyPr/>
           <a:lstStyle/>
           <a:p>
-            <a:fld id="{EB5F8DF1-6E00-452E-872D-6C416F0B9797}" type="datetimeFigureOut">
+            <a:fld id="{242759AB-C17F-45A1-B370-E232CF37E54C}" type="datetimeFigureOut">
               <a:rPr lang="zh-CN" altLang="en-US" smtClean="0"/>
               <a:t>2024/3/10</a:t>
             </a:fld>
@@ -265,7 +265,7 @@
           <p:cNvPr id="5" name="页脚占位符 4">
             <a:extLst>
               <a:ext uri="{FF2B5EF4-FFF2-40B4-BE49-F238E27FC236}">
-                <a16:creationId xmlns:a16="http://schemas.microsoft.com/office/drawing/2014/main" id="{D55FB4AE-8CD0-87DE-65F0-B2C7BF579065}"/>
+                <a16:creationId xmlns:a16="http://schemas.microsoft.com/office/drawing/2014/main" id="{2A534322-BD76-98CA-D08B-07ADB06700CC}"/>
               </a:ext>
             </a:extLst>
           </p:cNvPr>
@@ -290,7 +290,7 @@
           <p:cNvPr id="6" name="灯片编号占位符 5">
             <a:extLst>
               <a:ext uri="{FF2B5EF4-FFF2-40B4-BE49-F238E27FC236}">
-                <a16:creationId xmlns:a16="http://schemas.microsoft.com/office/drawing/2014/main" id="{39F758D9-38C4-99E7-3362-7A348679DCCB}"/>
+                <a16:creationId xmlns:a16="http://schemas.microsoft.com/office/drawing/2014/main" id="{A8F2FA23-6F13-F930-4F6A-A049152DF495}"/>
               </a:ext>
             </a:extLst>
           </p:cNvPr>
@@ -306,7 +306,7 @@
           <a:bodyPr/>
           <a:lstStyle/>
           <a:p>
-            <a:fld id="{CCEA99EE-CDAA-4617-92F2-A9B00AF71AF6}" type="slidenum">
+            <a:fld id="{40F2AB8C-293A-41ED-83BF-5A304D81A687}" type="slidenum">
               <a:rPr lang="zh-CN" altLang="en-US" smtClean="0"/>
               <a:t>‹#›</a:t>
             </a:fld>
@@ -317,7 +317,7 @@
     </p:spTree>
     <p:extLst>
       <p:ext uri="{BB962C8B-B14F-4D97-AF65-F5344CB8AC3E}">
-        <p14:creationId xmlns:p14="http://schemas.microsoft.com/office/powerpoint/2010/main" val="126033061"/>
+        <p14:creationId xmlns:p14="http://schemas.microsoft.com/office/powerpoint/2010/main" val="3038145988"/>
       </p:ext>
     </p:extLst>
   </p:cSld>
@@ -349,7 +349,7 @@
           <p:cNvPr id="2" name="标题 1">
             <a:extLst>
               <a:ext uri="{FF2B5EF4-FFF2-40B4-BE49-F238E27FC236}">
-                <a16:creationId xmlns:a16="http://schemas.microsoft.com/office/drawing/2014/main" id="{38877F54-28F7-BB78-FAAD-2753868548D2}"/>
+                <a16:creationId xmlns:a16="http://schemas.microsoft.com/office/drawing/2014/main" id="{0AB48171-AA51-17FC-86BD-EECFCC0C6DC3}"/>
               </a:ext>
             </a:extLst>
           </p:cNvPr>
@@ -377,7 +377,7 @@
           <p:cNvPr id="3" name="竖排文字占位符 2">
             <a:extLst>
               <a:ext uri="{FF2B5EF4-FFF2-40B4-BE49-F238E27FC236}">
-                <a16:creationId xmlns:a16="http://schemas.microsoft.com/office/drawing/2014/main" id="{9F37F4B0-E21E-82B4-000C-70B2FC6C2FEE}"/>
+                <a16:creationId xmlns:a16="http://schemas.microsoft.com/office/drawing/2014/main" id="{4D4F32A8-7A33-AA2C-593F-9F04074E7E3C}"/>
               </a:ext>
             </a:extLst>
           </p:cNvPr>
@@ -434,7 +434,7 @@
           <p:cNvPr id="4" name="日期占位符 3">
             <a:extLst>
               <a:ext uri="{FF2B5EF4-FFF2-40B4-BE49-F238E27FC236}">
-                <a16:creationId xmlns:a16="http://schemas.microsoft.com/office/drawing/2014/main" id="{A56A0469-82EC-AE03-2D33-CAE1F2EBC182}"/>
+                <a16:creationId xmlns:a16="http://schemas.microsoft.com/office/drawing/2014/main" id="{1B4E0612-1452-35C6-C670-41A03F86C71A}"/>
               </a:ext>
             </a:extLst>
           </p:cNvPr>
@@ -450,7 +450,7 @@
           <a:bodyPr/>
           <a:lstStyle/>
           <a:p>
-            <a:fld id="{EB5F8DF1-6E00-452E-872D-6C416F0B9797}" type="datetimeFigureOut">
+            <a:fld id="{242759AB-C17F-45A1-B370-E232CF37E54C}" type="datetimeFigureOut">
               <a:rPr lang="zh-CN" altLang="en-US" smtClean="0"/>
               <a:t>2024/3/10</a:t>
             </a:fld>
@@ -463,7 +463,7 @@
           <p:cNvPr id="5" name="页脚占位符 4">
             <a:extLst>
               <a:ext uri="{FF2B5EF4-FFF2-40B4-BE49-F238E27FC236}">
-                <a16:creationId xmlns:a16="http://schemas.microsoft.com/office/drawing/2014/main" id="{FE42795E-6C4D-A0EF-8A15-18F202DC750C}"/>
+                <a16:creationId xmlns:a16="http://schemas.microsoft.com/office/drawing/2014/main" id="{671DD8E5-1040-6B03-1EE7-4CECAC420794}"/>
               </a:ext>
             </a:extLst>
           </p:cNvPr>
@@ -488,7 +488,7 @@
           <p:cNvPr id="6" name="灯片编号占位符 5">
             <a:extLst>
               <a:ext uri="{FF2B5EF4-FFF2-40B4-BE49-F238E27FC236}">
-                <a16:creationId xmlns:a16="http://schemas.microsoft.com/office/drawing/2014/main" id="{31F95FAC-8788-999E-12CD-3408B80EA983}"/>
+                <a16:creationId xmlns:a16="http://schemas.microsoft.com/office/drawing/2014/main" id="{322D53B0-DE2E-E7A4-8E57-6FA928618DB4}"/>
               </a:ext>
             </a:extLst>
           </p:cNvPr>
@@ -504,7 +504,7 @@
           <a:bodyPr/>
           <a:lstStyle/>
           <a:p>
-            <a:fld id="{CCEA99EE-CDAA-4617-92F2-A9B00AF71AF6}" type="slidenum">
+            <a:fld id="{40F2AB8C-293A-41ED-83BF-5A304D81A687}" type="slidenum">
               <a:rPr lang="zh-CN" altLang="en-US" smtClean="0"/>
               <a:t>‹#›</a:t>
             </a:fld>
@@ -515,7 +515,7 @@
     </p:spTree>
     <p:extLst>
       <p:ext uri="{BB962C8B-B14F-4D97-AF65-F5344CB8AC3E}">
-        <p14:creationId xmlns:p14="http://schemas.microsoft.com/office/powerpoint/2010/main" val="3798844499"/>
+        <p14:creationId xmlns:p14="http://schemas.microsoft.com/office/powerpoint/2010/main" val="2356251259"/>
       </p:ext>
     </p:extLst>
   </p:cSld>
@@ -547,7 +547,7 @@
           <p:cNvPr id="2" name="竖排标题 1">
             <a:extLst>
               <a:ext uri="{FF2B5EF4-FFF2-40B4-BE49-F238E27FC236}">
-                <a16:creationId xmlns:a16="http://schemas.microsoft.com/office/drawing/2014/main" id="{64537064-7D3A-0134-A13D-BF1D7DBE3E82}"/>
+                <a16:creationId xmlns:a16="http://schemas.microsoft.com/office/drawing/2014/main" id="{EF1F89ED-4DC9-1BDD-4001-0DEFF651A53E}"/>
               </a:ext>
             </a:extLst>
           </p:cNvPr>
@@ -580,7 +580,7 @@
           <p:cNvPr id="3" name="竖排文字占位符 2">
             <a:extLst>
               <a:ext uri="{FF2B5EF4-FFF2-40B4-BE49-F238E27FC236}">
-                <a16:creationId xmlns:a16="http://schemas.microsoft.com/office/drawing/2014/main" id="{5D0463AE-1343-5379-E45B-4AA1BCB6D782}"/>
+                <a16:creationId xmlns:a16="http://schemas.microsoft.com/office/drawing/2014/main" id="{CFEC3D51-BC5B-1AC9-FB3A-CE57810A5CF2}"/>
               </a:ext>
             </a:extLst>
           </p:cNvPr>
@@ -642,7 +642,7 @@
           <p:cNvPr id="4" name="日期占位符 3">
             <a:extLst>
               <a:ext uri="{FF2B5EF4-FFF2-40B4-BE49-F238E27FC236}">
-                <a16:creationId xmlns:a16="http://schemas.microsoft.com/office/drawing/2014/main" id="{9C11EEF7-2830-45E2-FB41-D3BA3DDD80E1}"/>
+                <a16:creationId xmlns:a16="http://schemas.microsoft.com/office/drawing/2014/main" id="{70CD53A2-D3C0-61FE-BA62-3DEF83156F48}"/>
               </a:ext>
             </a:extLst>
           </p:cNvPr>
@@ -658,7 +658,7 @@
           <a:bodyPr/>
           <a:lstStyle/>
           <a:p>
-            <a:fld id="{EB5F8DF1-6E00-452E-872D-6C416F0B9797}" type="datetimeFigureOut">
+            <a:fld id="{242759AB-C17F-45A1-B370-E232CF37E54C}" type="datetimeFigureOut">
               <a:rPr lang="zh-CN" altLang="en-US" smtClean="0"/>
               <a:t>2024/3/10</a:t>
             </a:fld>
@@ -671,7 +671,7 @@
           <p:cNvPr id="5" name="页脚占位符 4">
             <a:extLst>
               <a:ext uri="{FF2B5EF4-FFF2-40B4-BE49-F238E27FC236}">
-                <a16:creationId xmlns:a16="http://schemas.microsoft.com/office/drawing/2014/main" id="{7867EB59-F2BB-8B7A-7C1F-746BF345CA64}"/>
+                <a16:creationId xmlns:a16="http://schemas.microsoft.com/office/drawing/2014/main" id="{F7E6407E-1771-76B1-48CB-0C653CC31BA1}"/>
               </a:ext>
             </a:extLst>
           </p:cNvPr>
@@ -696,7 +696,7 @@
           <p:cNvPr id="6" name="灯片编号占位符 5">
             <a:extLst>
               <a:ext uri="{FF2B5EF4-FFF2-40B4-BE49-F238E27FC236}">
-                <a16:creationId xmlns:a16="http://schemas.microsoft.com/office/drawing/2014/main" id="{A601DD8C-3649-5C16-4A2D-A792C2E73C04}"/>
+                <a16:creationId xmlns:a16="http://schemas.microsoft.com/office/drawing/2014/main" id="{5C75EC91-1011-E2A5-82DD-A6C2F53C7264}"/>
               </a:ext>
             </a:extLst>
           </p:cNvPr>
@@ -712,7 +712,7 @@
           <a:bodyPr/>
           <a:lstStyle/>
           <a:p>
-            <a:fld id="{CCEA99EE-CDAA-4617-92F2-A9B00AF71AF6}" type="slidenum">
+            <a:fld id="{40F2AB8C-293A-41ED-83BF-5A304D81A687}" type="slidenum">
               <a:rPr lang="zh-CN" altLang="en-US" smtClean="0"/>
               <a:t>‹#›</a:t>
             </a:fld>
@@ -723,7 +723,7 @@
     </p:spTree>
     <p:extLst>
       <p:ext uri="{BB962C8B-B14F-4D97-AF65-F5344CB8AC3E}">
-        <p14:creationId xmlns:p14="http://schemas.microsoft.com/office/powerpoint/2010/main" val="3228603741"/>
+        <p14:creationId xmlns:p14="http://schemas.microsoft.com/office/powerpoint/2010/main" val="1405388281"/>
       </p:ext>
     </p:extLst>
   </p:cSld>
@@ -755,7 +755,7 @@
           <p:cNvPr id="2" name="标题 1">
             <a:extLst>
               <a:ext uri="{FF2B5EF4-FFF2-40B4-BE49-F238E27FC236}">
-                <a16:creationId xmlns:a16="http://schemas.microsoft.com/office/drawing/2014/main" id="{1360F10E-CB2E-473A-B290-E2444E9F0B2D}"/>
+                <a16:creationId xmlns:a16="http://schemas.microsoft.com/office/drawing/2014/main" id="{6217D8C0-8995-C0DC-8FF0-B1E615435398}"/>
               </a:ext>
             </a:extLst>
           </p:cNvPr>
@@ -783,7 +783,7 @@
           <p:cNvPr id="3" name="内容占位符 2">
             <a:extLst>
               <a:ext uri="{FF2B5EF4-FFF2-40B4-BE49-F238E27FC236}">
-                <a16:creationId xmlns:a16="http://schemas.microsoft.com/office/drawing/2014/main" id="{9FBBDAB0-74D6-077B-F308-6773E9EEC022}"/>
+                <a16:creationId xmlns:a16="http://schemas.microsoft.com/office/drawing/2014/main" id="{6BD5FB58-D0B3-8A78-1517-C336815F115B}"/>
               </a:ext>
             </a:extLst>
           </p:cNvPr>
@@ -840,7 +840,7 @@
           <p:cNvPr id="4" name="日期占位符 3">
             <a:extLst>
               <a:ext uri="{FF2B5EF4-FFF2-40B4-BE49-F238E27FC236}">
-                <a16:creationId xmlns:a16="http://schemas.microsoft.com/office/drawing/2014/main" id="{E2B18971-79D5-EA8A-0E31-36CC735A0C7E}"/>
+                <a16:creationId xmlns:a16="http://schemas.microsoft.com/office/drawing/2014/main" id="{AAA9F0F2-8DF9-0211-4D2A-6124E4D3CF4A}"/>
               </a:ext>
             </a:extLst>
           </p:cNvPr>
@@ -856,7 +856,7 @@
           <a:bodyPr/>
           <a:lstStyle/>
           <a:p>
-            <a:fld id="{EB5F8DF1-6E00-452E-872D-6C416F0B9797}" type="datetimeFigureOut">
+            <a:fld id="{242759AB-C17F-45A1-B370-E232CF37E54C}" type="datetimeFigureOut">
               <a:rPr lang="zh-CN" altLang="en-US" smtClean="0"/>
               <a:t>2024/3/10</a:t>
             </a:fld>
@@ -869,7 +869,7 @@
           <p:cNvPr id="5" name="页脚占位符 4">
             <a:extLst>
               <a:ext uri="{FF2B5EF4-FFF2-40B4-BE49-F238E27FC236}">
-                <a16:creationId xmlns:a16="http://schemas.microsoft.com/office/drawing/2014/main" id="{D3F12D13-E70B-8D38-9505-59FC580FC54C}"/>
+                <a16:creationId xmlns:a16="http://schemas.microsoft.com/office/drawing/2014/main" id="{E9D220EF-8DBE-4580-DDEF-71F41A975F21}"/>
               </a:ext>
             </a:extLst>
           </p:cNvPr>
@@ -894,7 +894,7 @@
           <p:cNvPr id="6" name="灯片编号占位符 5">
             <a:extLst>
               <a:ext uri="{FF2B5EF4-FFF2-40B4-BE49-F238E27FC236}">
-                <a16:creationId xmlns:a16="http://schemas.microsoft.com/office/drawing/2014/main" id="{E6733C4F-05D3-76E2-8171-F868E63DA63B}"/>
+                <a16:creationId xmlns:a16="http://schemas.microsoft.com/office/drawing/2014/main" id="{45CD2EE5-8EB9-75A5-7303-07C2989DAF6C}"/>
               </a:ext>
             </a:extLst>
           </p:cNvPr>
@@ -910,7 +910,7 @@
           <a:bodyPr/>
           <a:lstStyle/>
           <a:p>
-            <a:fld id="{CCEA99EE-CDAA-4617-92F2-A9B00AF71AF6}" type="slidenum">
+            <a:fld id="{40F2AB8C-293A-41ED-83BF-5A304D81A687}" type="slidenum">
               <a:rPr lang="zh-CN" altLang="en-US" smtClean="0"/>
               <a:t>‹#›</a:t>
             </a:fld>
@@ -921,7 +921,7 @@
     </p:spTree>
     <p:extLst>
       <p:ext uri="{BB962C8B-B14F-4D97-AF65-F5344CB8AC3E}">
-        <p14:creationId xmlns:p14="http://schemas.microsoft.com/office/powerpoint/2010/main" val="1130692471"/>
+        <p14:creationId xmlns:p14="http://schemas.microsoft.com/office/powerpoint/2010/main" val="2695975483"/>
       </p:ext>
     </p:extLst>
   </p:cSld>
@@ -953,7 +953,7 @@
           <p:cNvPr id="2" name="标题 1">
             <a:extLst>
               <a:ext uri="{FF2B5EF4-FFF2-40B4-BE49-F238E27FC236}">
-                <a16:creationId xmlns:a16="http://schemas.microsoft.com/office/drawing/2014/main" id="{ED5284E1-30BC-5A1A-147F-9CF850B24955}"/>
+                <a16:creationId xmlns:a16="http://schemas.microsoft.com/office/drawing/2014/main" id="{F47A8E22-77BE-5A6A-0C09-BB47BE36F213}"/>
               </a:ext>
             </a:extLst>
           </p:cNvPr>
@@ -990,7 +990,7 @@
           <p:cNvPr id="3" name="文本占位符 2">
             <a:extLst>
               <a:ext uri="{FF2B5EF4-FFF2-40B4-BE49-F238E27FC236}">
-                <a16:creationId xmlns:a16="http://schemas.microsoft.com/office/drawing/2014/main" id="{03352B55-DF3F-695B-9D2A-E243038CC4E4}"/>
+                <a16:creationId xmlns:a16="http://schemas.microsoft.com/office/drawing/2014/main" id="{89E245D4-64A5-89E8-09CC-25F3A05962D9}"/>
               </a:ext>
             </a:extLst>
           </p:cNvPr>
@@ -1115,7 +1115,7 @@
           <p:cNvPr id="4" name="日期占位符 3">
             <a:extLst>
               <a:ext uri="{FF2B5EF4-FFF2-40B4-BE49-F238E27FC236}">
-                <a16:creationId xmlns:a16="http://schemas.microsoft.com/office/drawing/2014/main" id="{2E571390-26E0-7AD8-2350-4F7745340BF6}"/>
+                <a16:creationId xmlns:a16="http://schemas.microsoft.com/office/drawing/2014/main" id="{A0ADFB3D-9E31-02DC-0F2F-C97FA64780E7}"/>
               </a:ext>
             </a:extLst>
           </p:cNvPr>
@@ -1131,7 +1131,7 @@
           <a:bodyPr/>
           <a:lstStyle/>
           <a:p>
-            <a:fld id="{EB5F8DF1-6E00-452E-872D-6C416F0B9797}" type="datetimeFigureOut">
+            <a:fld id="{242759AB-C17F-45A1-B370-E232CF37E54C}" type="datetimeFigureOut">
               <a:rPr lang="zh-CN" altLang="en-US" smtClean="0"/>
               <a:t>2024/3/10</a:t>
             </a:fld>
@@ -1144,7 +1144,7 @@
           <p:cNvPr id="5" name="页脚占位符 4">
             <a:extLst>
               <a:ext uri="{FF2B5EF4-FFF2-40B4-BE49-F238E27FC236}">
-                <a16:creationId xmlns:a16="http://schemas.microsoft.com/office/drawing/2014/main" id="{C4D322F9-131B-FE00-F426-C82F6EBB7E4B}"/>
+                <a16:creationId xmlns:a16="http://schemas.microsoft.com/office/drawing/2014/main" id="{1A4CBDC9-EDF3-4F47-8F37-FF93E4E5A473}"/>
               </a:ext>
             </a:extLst>
           </p:cNvPr>
@@ -1169,7 +1169,7 @@
           <p:cNvPr id="6" name="灯片编号占位符 5">
             <a:extLst>
               <a:ext uri="{FF2B5EF4-FFF2-40B4-BE49-F238E27FC236}">
-                <a16:creationId xmlns:a16="http://schemas.microsoft.com/office/drawing/2014/main" id="{4C262B56-ED51-E995-5D40-5002CF4E0B02}"/>
+                <a16:creationId xmlns:a16="http://schemas.microsoft.com/office/drawing/2014/main" id="{649815F6-0B30-8FD8-15FE-2E916C7E1CE9}"/>
               </a:ext>
             </a:extLst>
           </p:cNvPr>
@@ -1185,7 +1185,7 @@
           <a:bodyPr/>
           <a:lstStyle/>
           <a:p>
-            <a:fld id="{CCEA99EE-CDAA-4617-92F2-A9B00AF71AF6}" type="slidenum">
+            <a:fld id="{40F2AB8C-293A-41ED-83BF-5A304D81A687}" type="slidenum">
               <a:rPr lang="zh-CN" altLang="en-US" smtClean="0"/>
               <a:t>‹#›</a:t>
             </a:fld>
@@ -1196,7 +1196,7 @@
     </p:spTree>
     <p:extLst>
       <p:ext uri="{BB962C8B-B14F-4D97-AF65-F5344CB8AC3E}">
-        <p14:creationId xmlns:p14="http://schemas.microsoft.com/office/powerpoint/2010/main" val="3632993270"/>
+        <p14:creationId xmlns:p14="http://schemas.microsoft.com/office/powerpoint/2010/main" val="3462720857"/>
       </p:ext>
     </p:extLst>
   </p:cSld>
@@ -1228,7 +1228,7 @@
           <p:cNvPr id="2" name="标题 1">
             <a:extLst>
               <a:ext uri="{FF2B5EF4-FFF2-40B4-BE49-F238E27FC236}">
-                <a16:creationId xmlns:a16="http://schemas.microsoft.com/office/drawing/2014/main" id="{C4963AA4-2B4B-8115-010F-544B0D8D2EC9}"/>
+                <a16:creationId xmlns:a16="http://schemas.microsoft.com/office/drawing/2014/main" id="{63BF3249-0DDF-DF1A-B069-DC82D7F2D491}"/>
               </a:ext>
             </a:extLst>
           </p:cNvPr>
@@ -1256,7 +1256,7 @@
           <p:cNvPr id="3" name="内容占位符 2">
             <a:extLst>
               <a:ext uri="{FF2B5EF4-FFF2-40B4-BE49-F238E27FC236}">
-                <a16:creationId xmlns:a16="http://schemas.microsoft.com/office/drawing/2014/main" id="{4973F60A-2641-8F94-5C78-86D1F525C357}"/>
+                <a16:creationId xmlns:a16="http://schemas.microsoft.com/office/drawing/2014/main" id="{D3C680C0-3F20-03BD-EE65-964DF9C20B41}"/>
               </a:ext>
             </a:extLst>
           </p:cNvPr>
@@ -1318,7 +1318,7 @@
           <p:cNvPr id="4" name="内容占位符 3">
             <a:extLst>
               <a:ext uri="{FF2B5EF4-FFF2-40B4-BE49-F238E27FC236}">
-                <a16:creationId xmlns:a16="http://schemas.microsoft.com/office/drawing/2014/main" id="{50328327-2564-6FB9-4847-145DCDB65E14}"/>
+                <a16:creationId xmlns:a16="http://schemas.microsoft.com/office/drawing/2014/main" id="{5C5375C7-2A19-677D-893E-E050664E8BE3}"/>
               </a:ext>
             </a:extLst>
           </p:cNvPr>
@@ -1380,7 +1380,7 @@
           <p:cNvPr id="5" name="日期占位符 4">
             <a:extLst>
               <a:ext uri="{FF2B5EF4-FFF2-40B4-BE49-F238E27FC236}">
-                <a16:creationId xmlns:a16="http://schemas.microsoft.com/office/drawing/2014/main" id="{010FAE03-A383-486B-0B11-B4FD2C9137A7}"/>
+                <a16:creationId xmlns:a16="http://schemas.microsoft.com/office/drawing/2014/main" id="{38AE1981-376F-AB2E-45CE-0EC9230AD29D}"/>
               </a:ext>
             </a:extLst>
           </p:cNvPr>
@@ -1396,7 +1396,7 @@
           <a:bodyPr/>
           <a:lstStyle/>
           <a:p>
-            <a:fld id="{EB5F8DF1-6E00-452E-872D-6C416F0B9797}" type="datetimeFigureOut">
+            <a:fld id="{242759AB-C17F-45A1-B370-E232CF37E54C}" type="datetimeFigureOut">
               <a:rPr lang="zh-CN" altLang="en-US" smtClean="0"/>
               <a:t>2024/3/10</a:t>
             </a:fld>
@@ -1409,7 +1409,7 @@
           <p:cNvPr id="6" name="页脚占位符 5">
             <a:extLst>
               <a:ext uri="{FF2B5EF4-FFF2-40B4-BE49-F238E27FC236}">
-                <a16:creationId xmlns:a16="http://schemas.microsoft.com/office/drawing/2014/main" id="{E91AB6A2-77A2-7E8C-00A2-6BD7C0094A2D}"/>
+                <a16:creationId xmlns:a16="http://schemas.microsoft.com/office/drawing/2014/main" id="{EAC7433F-89FD-1465-EE77-2B6F3D3AE687}"/>
               </a:ext>
             </a:extLst>
           </p:cNvPr>
@@ -1434,7 +1434,7 @@
           <p:cNvPr id="7" name="灯片编号占位符 6">
             <a:extLst>
               <a:ext uri="{FF2B5EF4-FFF2-40B4-BE49-F238E27FC236}">
-                <a16:creationId xmlns:a16="http://schemas.microsoft.com/office/drawing/2014/main" id="{F5AA5540-5AD8-5C2E-A44A-259256C8900A}"/>
+                <a16:creationId xmlns:a16="http://schemas.microsoft.com/office/drawing/2014/main" id="{2ED25428-38F0-B320-7DE6-1D27DFA15FB8}"/>
               </a:ext>
             </a:extLst>
           </p:cNvPr>
@@ -1450,7 +1450,7 @@
           <a:bodyPr/>
           <a:lstStyle/>
           <a:p>
-            <a:fld id="{CCEA99EE-CDAA-4617-92F2-A9B00AF71AF6}" type="slidenum">
+            <a:fld id="{40F2AB8C-293A-41ED-83BF-5A304D81A687}" type="slidenum">
               <a:rPr lang="zh-CN" altLang="en-US" smtClean="0"/>
               <a:t>‹#›</a:t>
             </a:fld>
@@ -1461,7 +1461,7 @@
     </p:spTree>
     <p:extLst>
       <p:ext uri="{BB962C8B-B14F-4D97-AF65-F5344CB8AC3E}">
-        <p14:creationId xmlns:p14="http://schemas.microsoft.com/office/powerpoint/2010/main" val="2276174844"/>
+        <p14:creationId xmlns:p14="http://schemas.microsoft.com/office/powerpoint/2010/main" val="2479070352"/>
       </p:ext>
     </p:extLst>
   </p:cSld>
@@ -1493,7 +1493,7 @@
           <p:cNvPr id="2" name="标题 1">
             <a:extLst>
               <a:ext uri="{FF2B5EF4-FFF2-40B4-BE49-F238E27FC236}">
-                <a16:creationId xmlns:a16="http://schemas.microsoft.com/office/drawing/2014/main" id="{EE6BBAB2-D416-A470-4972-4C88B8A5BC6B}"/>
+                <a16:creationId xmlns:a16="http://schemas.microsoft.com/office/drawing/2014/main" id="{AE53F148-8303-A6F3-DAB8-5C7E442845F9}"/>
               </a:ext>
             </a:extLst>
           </p:cNvPr>
@@ -1526,7 +1526,7 @@
           <p:cNvPr id="3" name="文本占位符 2">
             <a:extLst>
               <a:ext uri="{FF2B5EF4-FFF2-40B4-BE49-F238E27FC236}">
-                <a16:creationId xmlns:a16="http://schemas.microsoft.com/office/drawing/2014/main" id="{40672E7F-1C42-5CB0-1E97-DDD7CE823866}"/>
+                <a16:creationId xmlns:a16="http://schemas.microsoft.com/office/drawing/2014/main" id="{306DC767-85CF-DF46-CE24-D4A0FBE7B864}"/>
               </a:ext>
             </a:extLst>
           </p:cNvPr>
@@ -1597,7 +1597,7 @@
           <p:cNvPr id="4" name="内容占位符 3">
             <a:extLst>
               <a:ext uri="{FF2B5EF4-FFF2-40B4-BE49-F238E27FC236}">
-                <a16:creationId xmlns:a16="http://schemas.microsoft.com/office/drawing/2014/main" id="{284914F0-2564-B3C3-90DB-DBAEEFAF966B}"/>
+                <a16:creationId xmlns:a16="http://schemas.microsoft.com/office/drawing/2014/main" id="{ED984CD9-6AA1-90D3-E291-88415D5A372D}"/>
               </a:ext>
             </a:extLst>
           </p:cNvPr>
@@ -1659,7 +1659,7 @@
           <p:cNvPr id="5" name="文本占位符 4">
             <a:extLst>
               <a:ext uri="{FF2B5EF4-FFF2-40B4-BE49-F238E27FC236}">
-                <a16:creationId xmlns:a16="http://schemas.microsoft.com/office/drawing/2014/main" id="{F4752C44-6945-26FB-4D94-B05C17ED58F5}"/>
+                <a16:creationId xmlns:a16="http://schemas.microsoft.com/office/drawing/2014/main" id="{CFE99AC4-51A8-1418-81E7-923B43412940}"/>
               </a:ext>
             </a:extLst>
           </p:cNvPr>
@@ -1730,7 +1730,7 @@
           <p:cNvPr id="6" name="内容占位符 5">
             <a:extLst>
               <a:ext uri="{FF2B5EF4-FFF2-40B4-BE49-F238E27FC236}">
-                <a16:creationId xmlns:a16="http://schemas.microsoft.com/office/drawing/2014/main" id="{229030A9-F8EF-3E4F-4771-4D266B35AEAF}"/>
+                <a16:creationId xmlns:a16="http://schemas.microsoft.com/office/drawing/2014/main" id="{80609BA3-B4C6-3A5B-A92B-951BCBE17BB2}"/>
               </a:ext>
             </a:extLst>
           </p:cNvPr>
@@ -1792,7 +1792,7 @@
           <p:cNvPr id="7" name="日期占位符 6">
             <a:extLst>
               <a:ext uri="{FF2B5EF4-FFF2-40B4-BE49-F238E27FC236}">
-                <a16:creationId xmlns:a16="http://schemas.microsoft.com/office/drawing/2014/main" id="{D1A70095-9136-1F8B-47A2-29D2EFA2BD5A}"/>
+                <a16:creationId xmlns:a16="http://schemas.microsoft.com/office/drawing/2014/main" id="{05EA2908-BEE0-7757-B9CF-A2BE14EBF046}"/>
               </a:ext>
             </a:extLst>
           </p:cNvPr>
@@ -1808,7 +1808,7 @@
           <a:bodyPr/>
           <a:lstStyle/>
           <a:p>
-            <a:fld id="{EB5F8DF1-6E00-452E-872D-6C416F0B9797}" type="datetimeFigureOut">
+            <a:fld id="{242759AB-C17F-45A1-B370-E232CF37E54C}" type="datetimeFigureOut">
               <a:rPr lang="zh-CN" altLang="en-US" smtClean="0"/>
               <a:t>2024/3/10</a:t>
             </a:fld>
@@ -1821,7 +1821,7 @@
           <p:cNvPr id="8" name="页脚占位符 7">
             <a:extLst>
               <a:ext uri="{FF2B5EF4-FFF2-40B4-BE49-F238E27FC236}">
-                <a16:creationId xmlns:a16="http://schemas.microsoft.com/office/drawing/2014/main" id="{CE119034-274D-E01D-1E15-27B7684657E2}"/>
+                <a16:creationId xmlns:a16="http://schemas.microsoft.com/office/drawing/2014/main" id="{94C8AE06-0CEE-E083-9B1F-4BCC0AD8FDCF}"/>
               </a:ext>
             </a:extLst>
           </p:cNvPr>
@@ -1846,7 +1846,7 @@
           <p:cNvPr id="9" name="灯片编号占位符 8">
             <a:extLst>
               <a:ext uri="{FF2B5EF4-FFF2-40B4-BE49-F238E27FC236}">
-                <a16:creationId xmlns:a16="http://schemas.microsoft.com/office/drawing/2014/main" id="{A0AA1549-FD63-B46D-776D-60B9B100084D}"/>
+                <a16:creationId xmlns:a16="http://schemas.microsoft.com/office/drawing/2014/main" id="{F92FAA97-6281-DB78-BB4B-58756062C3EB}"/>
               </a:ext>
             </a:extLst>
           </p:cNvPr>
@@ -1862,7 +1862,7 @@
           <a:bodyPr/>
           <a:lstStyle/>
           <a:p>
-            <a:fld id="{CCEA99EE-CDAA-4617-92F2-A9B00AF71AF6}" type="slidenum">
+            <a:fld id="{40F2AB8C-293A-41ED-83BF-5A304D81A687}" type="slidenum">
               <a:rPr lang="zh-CN" altLang="en-US" smtClean="0"/>
               <a:t>‹#›</a:t>
             </a:fld>
@@ -1873,7 +1873,7 @@
     </p:spTree>
     <p:extLst>
       <p:ext uri="{BB962C8B-B14F-4D97-AF65-F5344CB8AC3E}">
-        <p14:creationId xmlns:p14="http://schemas.microsoft.com/office/powerpoint/2010/main" val="845267237"/>
+        <p14:creationId xmlns:p14="http://schemas.microsoft.com/office/powerpoint/2010/main" val="1421671148"/>
       </p:ext>
     </p:extLst>
   </p:cSld>
@@ -1905,7 +1905,7 @@
           <p:cNvPr id="2" name="标题 1">
             <a:extLst>
               <a:ext uri="{FF2B5EF4-FFF2-40B4-BE49-F238E27FC236}">
-                <a16:creationId xmlns:a16="http://schemas.microsoft.com/office/drawing/2014/main" id="{289E64E0-320E-C1DE-8177-E28215CD3364}"/>
+                <a16:creationId xmlns:a16="http://schemas.microsoft.com/office/drawing/2014/main" id="{2E3F0C2B-C0A2-2AF8-59F2-19DF46EEEB6F}"/>
               </a:ext>
             </a:extLst>
           </p:cNvPr>
@@ -1933,7 +1933,7 @@
           <p:cNvPr id="3" name="日期占位符 2">
             <a:extLst>
               <a:ext uri="{FF2B5EF4-FFF2-40B4-BE49-F238E27FC236}">
-                <a16:creationId xmlns:a16="http://schemas.microsoft.com/office/drawing/2014/main" id="{6EC34C20-8A22-8AE7-4FA0-F8EE58C66502}"/>
+                <a16:creationId xmlns:a16="http://schemas.microsoft.com/office/drawing/2014/main" id="{4FA68CFA-AD01-311D-6E76-0AE81D861199}"/>
               </a:ext>
             </a:extLst>
           </p:cNvPr>
@@ -1949,7 +1949,7 @@
           <a:bodyPr/>
           <a:lstStyle/>
           <a:p>
-            <a:fld id="{EB5F8DF1-6E00-452E-872D-6C416F0B9797}" type="datetimeFigureOut">
+            <a:fld id="{242759AB-C17F-45A1-B370-E232CF37E54C}" type="datetimeFigureOut">
               <a:rPr lang="zh-CN" altLang="en-US" smtClean="0"/>
               <a:t>2024/3/10</a:t>
             </a:fld>
@@ -1962,7 +1962,7 @@
           <p:cNvPr id="4" name="页脚占位符 3">
             <a:extLst>
               <a:ext uri="{FF2B5EF4-FFF2-40B4-BE49-F238E27FC236}">
-                <a16:creationId xmlns:a16="http://schemas.microsoft.com/office/drawing/2014/main" id="{69218FE4-242F-037B-13B6-25DC5E98871F}"/>
+                <a16:creationId xmlns:a16="http://schemas.microsoft.com/office/drawing/2014/main" id="{0AED9D62-6D25-9755-658E-D88833D74E27}"/>
               </a:ext>
             </a:extLst>
           </p:cNvPr>
@@ -1987,7 +1987,7 @@
           <p:cNvPr id="5" name="灯片编号占位符 4">
             <a:extLst>
               <a:ext uri="{FF2B5EF4-FFF2-40B4-BE49-F238E27FC236}">
-                <a16:creationId xmlns:a16="http://schemas.microsoft.com/office/drawing/2014/main" id="{777392D8-D101-F445-D4D9-F0A43EEBA8A2}"/>
+                <a16:creationId xmlns:a16="http://schemas.microsoft.com/office/drawing/2014/main" id="{2572BFA8-7066-7F06-F505-2D33A39E9B2B}"/>
               </a:ext>
             </a:extLst>
           </p:cNvPr>
@@ -2003,7 +2003,7 @@
           <a:bodyPr/>
           <a:lstStyle/>
           <a:p>
-            <a:fld id="{CCEA99EE-CDAA-4617-92F2-A9B00AF71AF6}" type="slidenum">
+            <a:fld id="{40F2AB8C-293A-41ED-83BF-5A304D81A687}" type="slidenum">
               <a:rPr lang="zh-CN" altLang="en-US" smtClean="0"/>
               <a:t>‹#›</a:t>
             </a:fld>
@@ -2014,7 +2014,7 @@
     </p:spTree>
     <p:extLst>
       <p:ext uri="{BB962C8B-B14F-4D97-AF65-F5344CB8AC3E}">
-        <p14:creationId xmlns:p14="http://schemas.microsoft.com/office/powerpoint/2010/main" val="2426424872"/>
+        <p14:creationId xmlns:p14="http://schemas.microsoft.com/office/powerpoint/2010/main" val="630155950"/>
       </p:ext>
     </p:extLst>
   </p:cSld>
@@ -2046,7 +2046,7 @@
           <p:cNvPr id="2" name="日期占位符 1">
             <a:extLst>
               <a:ext uri="{FF2B5EF4-FFF2-40B4-BE49-F238E27FC236}">
-                <a16:creationId xmlns:a16="http://schemas.microsoft.com/office/drawing/2014/main" id="{810E2A9C-49C2-F7C4-9B56-82F5DDD5338A}"/>
+                <a16:creationId xmlns:a16="http://schemas.microsoft.com/office/drawing/2014/main" id="{2E92A434-6381-C409-FAE1-2A8D10E774B7}"/>
               </a:ext>
             </a:extLst>
           </p:cNvPr>
@@ -2062,7 +2062,7 @@
           <a:bodyPr/>
           <a:lstStyle/>
           <a:p>
-            <a:fld id="{EB5F8DF1-6E00-452E-872D-6C416F0B9797}" type="datetimeFigureOut">
+            <a:fld id="{242759AB-C17F-45A1-B370-E232CF37E54C}" type="datetimeFigureOut">
               <a:rPr lang="zh-CN" altLang="en-US" smtClean="0"/>
               <a:t>2024/3/10</a:t>
             </a:fld>
@@ -2075,7 +2075,7 @@
           <p:cNvPr id="3" name="页脚占位符 2">
             <a:extLst>
               <a:ext uri="{FF2B5EF4-FFF2-40B4-BE49-F238E27FC236}">
-                <a16:creationId xmlns:a16="http://schemas.microsoft.com/office/drawing/2014/main" id="{B10B8803-25D9-3AAA-3BA5-4C384A24F2A2}"/>
+                <a16:creationId xmlns:a16="http://schemas.microsoft.com/office/drawing/2014/main" id="{8FEE20B1-C220-4D21-28BB-C26C282F9109}"/>
               </a:ext>
             </a:extLst>
           </p:cNvPr>
@@ -2100,7 +2100,7 @@
           <p:cNvPr id="4" name="灯片编号占位符 3">
             <a:extLst>
               <a:ext uri="{FF2B5EF4-FFF2-40B4-BE49-F238E27FC236}">
-                <a16:creationId xmlns:a16="http://schemas.microsoft.com/office/drawing/2014/main" id="{AEEDDA7B-7CAB-46F2-F9C5-4A651055C319}"/>
+                <a16:creationId xmlns:a16="http://schemas.microsoft.com/office/drawing/2014/main" id="{175AE57D-4C6E-76C6-4D00-8E1510F5F065}"/>
               </a:ext>
             </a:extLst>
           </p:cNvPr>
@@ -2116,7 +2116,7 @@
           <a:bodyPr/>
           <a:lstStyle/>
           <a:p>
-            <a:fld id="{CCEA99EE-CDAA-4617-92F2-A9B00AF71AF6}" type="slidenum">
+            <a:fld id="{40F2AB8C-293A-41ED-83BF-5A304D81A687}" type="slidenum">
               <a:rPr lang="zh-CN" altLang="en-US" smtClean="0"/>
               <a:t>‹#›</a:t>
             </a:fld>
@@ -2127,7 +2127,7 @@
     </p:spTree>
     <p:extLst>
       <p:ext uri="{BB962C8B-B14F-4D97-AF65-F5344CB8AC3E}">
-        <p14:creationId xmlns:p14="http://schemas.microsoft.com/office/powerpoint/2010/main" val="3355646391"/>
+        <p14:creationId xmlns:p14="http://schemas.microsoft.com/office/powerpoint/2010/main" val="1139543488"/>
       </p:ext>
     </p:extLst>
   </p:cSld>
@@ -2159,7 +2159,7 @@
           <p:cNvPr id="2" name="标题 1">
             <a:extLst>
               <a:ext uri="{FF2B5EF4-FFF2-40B4-BE49-F238E27FC236}">
-                <a16:creationId xmlns:a16="http://schemas.microsoft.com/office/drawing/2014/main" id="{44EDF0C8-6F78-95BE-E87B-EC27E0BAD8ED}"/>
+                <a16:creationId xmlns:a16="http://schemas.microsoft.com/office/drawing/2014/main" id="{8E353943-CC4C-E984-31BB-17C7CA417A9E}"/>
               </a:ext>
             </a:extLst>
           </p:cNvPr>
@@ -2196,7 +2196,7 @@
           <p:cNvPr id="3" name="内容占位符 2">
             <a:extLst>
               <a:ext uri="{FF2B5EF4-FFF2-40B4-BE49-F238E27FC236}">
-                <a16:creationId xmlns:a16="http://schemas.microsoft.com/office/drawing/2014/main" id="{4975ABF0-932E-2F94-3FC7-92CD5D8302B6}"/>
+                <a16:creationId xmlns:a16="http://schemas.microsoft.com/office/drawing/2014/main" id="{EF230511-454D-0800-56DE-687311484D19}"/>
               </a:ext>
             </a:extLst>
           </p:cNvPr>
@@ -2286,7 +2286,7 @@
           <p:cNvPr id="4" name="文本占位符 3">
             <a:extLst>
               <a:ext uri="{FF2B5EF4-FFF2-40B4-BE49-F238E27FC236}">
-                <a16:creationId xmlns:a16="http://schemas.microsoft.com/office/drawing/2014/main" id="{68D973F2-8B78-C69B-09A5-CFC9038AA96D}"/>
+                <a16:creationId xmlns:a16="http://schemas.microsoft.com/office/drawing/2014/main" id="{25BC764A-5C1E-2E18-66AA-87587933BD0C}"/>
               </a:ext>
             </a:extLst>
           </p:cNvPr>
@@ -2357,7 +2357,7 @@
           <p:cNvPr id="5" name="日期占位符 4">
             <a:extLst>
               <a:ext uri="{FF2B5EF4-FFF2-40B4-BE49-F238E27FC236}">
-                <a16:creationId xmlns:a16="http://schemas.microsoft.com/office/drawing/2014/main" id="{01DDFB64-BBB6-1E7C-3F79-38DF48397C56}"/>
+                <a16:creationId xmlns:a16="http://schemas.microsoft.com/office/drawing/2014/main" id="{DD6AF96B-622A-8CA9-5D11-60DB03CF39E4}"/>
               </a:ext>
             </a:extLst>
           </p:cNvPr>
@@ -2373,7 +2373,7 @@
           <a:bodyPr/>
           <a:lstStyle/>
           <a:p>
-            <a:fld id="{EB5F8DF1-6E00-452E-872D-6C416F0B9797}" type="datetimeFigureOut">
+            <a:fld id="{242759AB-C17F-45A1-B370-E232CF37E54C}" type="datetimeFigureOut">
               <a:rPr lang="zh-CN" altLang="en-US" smtClean="0"/>
               <a:t>2024/3/10</a:t>
             </a:fld>
@@ -2386,7 +2386,7 @@
           <p:cNvPr id="6" name="页脚占位符 5">
             <a:extLst>
               <a:ext uri="{FF2B5EF4-FFF2-40B4-BE49-F238E27FC236}">
-                <a16:creationId xmlns:a16="http://schemas.microsoft.com/office/drawing/2014/main" id="{3259D3DE-7560-BACC-29C0-3C926AAB873F}"/>
+                <a16:creationId xmlns:a16="http://schemas.microsoft.com/office/drawing/2014/main" id="{CAECD8BE-A46E-BCD3-00DD-3D2284532D71}"/>
               </a:ext>
             </a:extLst>
           </p:cNvPr>
@@ -2411,7 +2411,7 @@
           <p:cNvPr id="7" name="灯片编号占位符 6">
             <a:extLst>
               <a:ext uri="{FF2B5EF4-FFF2-40B4-BE49-F238E27FC236}">
-                <a16:creationId xmlns:a16="http://schemas.microsoft.com/office/drawing/2014/main" id="{09041976-FC89-8F05-EC1F-3A0E015D0E50}"/>
+                <a16:creationId xmlns:a16="http://schemas.microsoft.com/office/drawing/2014/main" id="{4EFB5ABE-0BFE-9873-F9D0-7647B97A37ED}"/>
               </a:ext>
             </a:extLst>
           </p:cNvPr>
@@ -2427,7 +2427,7 @@
           <a:bodyPr/>
           <a:lstStyle/>
           <a:p>
-            <a:fld id="{CCEA99EE-CDAA-4617-92F2-A9B00AF71AF6}" type="slidenum">
+            <a:fld id="{40F2AB8C-293A-41ED-83BF-5A304D81A687}" type="slidenum">
               <a:rPr lang="zh-CN" altLang="en-US" smtClean="0"/>
               <a:t>‹#›</a:t>
             </a:fld>
@@ -2438,7 +2438,7 @@
     </p:spTree>
     <p:extLst>
       <p:ext uri="{BB962C8B-B14F-4D97-AF65-F5344CB8AC3E}">
-        <p14:creationId xmlns:p14="http://schemas.microsoft.com/office/powerpoint/2010/main" val="2411415976"/>
+        <p14:creationId xmlns:p14="http://schemas.microsoft.com/office/powerpoint/2010/main" val="4061895997"/>
       </p:ext>
     </p:extLst>
   </p:cSld>
@@ -2470,7 +2470,7 @@
           <p:cNvPr id="2" name="标题 1">
             <a:extLst>
               <a:ext uri="{FF2B5EF4-FFF2-40B4-BE49-F238E27FC236}">
-                <a16:creationId xmlns:a16="http://schemas.microsoft.com/office/drawing/2014/main" id="{CFDFA378-111B-E11B-A3C0-7032B86C776D}"/>
+                <a16:creationId xmlns:a16="http://schemas.microsoft.com/office/drawing/2014/main" id="{F747E061-DA33-9FD4-010F-94370012316A}"/>
               </a:ext>
             </a:extLst>
           </p:cNvPr>
@@ -2507,7 +2507,7 @@
           <p:cNvPr id="3" name="图片占位符 2">
             <a:extLst>
               <a:ext uri="{FF2B5EF4-FFF2-40B4-BE49-F238E27FC236}">
-                <a16:creationId xmlns:a16="http://schemas.microsoft.com/office/drawing/2014/main" id="{BFC7D14E-4441-A8E4-54ED-2978BA303841}"/>
+                <a16:creationId xmlns:a16="http://schemas.microsoft.com/office/drawing/2014/main" id="{44A70574-C645-8CC5-785C-A62F02D76B87}"/>
               </a:ext>
             </a:extLst>
           </p:cNvPr>
@@ -2574,7 +2574,7 @@
           <p:cNvPr id="4" name="文本占位符 3">
             <a:extLst>
               <a:ext uri="{FF2B5EF4-FFF2-40B4-BE49-F238E27FC236}">
-                <a16:creationId xmlns:a16="http://schemas.microsoft.com/office/drawing/2014/main" id="{1EC63B74-C5B7-A6BA-E48F-16FEE2A25E39}"/>
+                <a16:creationId xmlns:a16="http://schemas.microsoft.com/office/drawing/2014/main" id="{F7B6B543-CB12-D60E-BD6B-6BE3F5B6197A}"/>
               </a:ext>
             </a:extLst>
           </p:cNvPr>
@@ -2645,7 +2645,7 @@
           <p:cNvPr id="5" name="日期占位符 4">
             <a:extLst>
               <a:ext uri="{FF2B5EF4-FFF2-40B4-BE49-F238E27FC236}">
-                <a16:creationId xmlns:a16="http://schemas.microsoft.com/office/drawing/2014/main" id="{2A66459A-50A8-C5BE-10AC-B03369399721}"/>
+                <a16:creationId xmlns:a16="http://schemas.microsoft.com/office/drawing/2014/main" id="{DAEDB586-B955-1B09-756B-E6796B724193}"/>
               </a:ext>
             </a:extLst>
           </p:cNvPr>
@@ -2661,7 +2661,7 @@
           <a:bodyPr/>
           <a:lstStyle/>
           <a:p>
-            <a:fld id="{EB5F8DF1-6E00-452E-872D-6C416F0B9797}" type="datetimeFigureOut">
+            <a:fld id="{242759AB-C17F-45A1-B370-E232CF37E54C}" type="datetimeFigureOut">
               <a:rPr lang="zh-CN" altLang="en-US" smtClean="0"/>
               <a:t>2024/3/10</a:t>
             </a:fld>
@@ -2674,7 +2674,7 @@
           <p:cNvPr id="6" name="页脚占位符 5">
             <a:extLst>
               <a:ext uri="{FF2B5EF4-FFF2-40B4-BE49-F238E27FC236}">
-                <a16:creationId xmlns:a16="http://schemas.microsoft.com/office/drawing/2014/main" id="{FC2CA7F0-1521-14AB-DB91-F256E3CDAA30}"/>
+                <a16:creationId xmlns:a16="http://schemas.microsoft.com/office/drawing/2014/main" id="{461E1437-6B0B-1665-4CAD-FA5977A36115}"/>
               </a:ext>
             </a:extLst>
           </p:cNvPr>
@@ -2699,7 +2699,7 @@
           <p:cNvPr id="7" name="灯片编号占位符 6">
             <a:extLst>
               <a:ext uri="{FF2B5EF4-FFF2-40B4-BE49-F238E27FC236}">
-                <a16:creationId xmlns:a16="http://schemas.microsoft.com/office/drawing/2014/main" id="{968689D9-C080-4A4A-7C5C-E40C6C57CC35}"/>
+                <a16:creationId xmlns:a16="http://schemas.microsoft.com/office/drawing/2014/main" id="{49772C4F-2ACE-06B0-44FC-B184B39D9B2D}"/>
               </a:ext>
             </a:extLst>
           </p:cNvPr>
@@ -2715,7 +2715,7 @@
           <a:bodyPr/>
           <a:lstStyle/>
           <a:p>
-            <a:fld id="{CCEA99EE-CDAA-4617-92F2-A9B00AF71AF6}" type="slidenum">
+            <a:fld id="{40F2AB8C-293A-41ED-83BF-5A304D81A687}" type="slidenum">
               <a:rPr lang="zh-CN" altLang="en-US" smtClean="0"/>
               <a:t>‹#›</a:t>
             </a:fld>
@@ -2726,7 +2726,7 @@
     </p:spTree>
     <p:extLst>
       <p:ext uri="{BB962C8B-B14F-4D97-AF65-F5344CB8AC3E}">
-        <p14:creationId xmlns:p14="http://schemas.microsoft.com/office/powerpoint/2010/main" val="574844014"/>
+        <p14:creationId xmlns:p14="http://schemas.microsoft.com/office/powerpoint/2010/main" val="3214480330"/>
       </p:ext>
     </p:extLst>
   </p:cSld>
@@ -2763,7 +2763,7 @@
           <p:cNvPr id="2" name="标题占位符 1">
             <a:extLst>
               <a:ext uri="{FF2B5EF4-FFF2-40B4-BE49-F238E27FC236}">
-                <a16:creationId xmlns:a16="http://schemas.microsoft.com/office/drawing/2014/main" id="{74AF0C8C-CF25-2EC6-BA0C-2DC31B9E25F2}"/>
+                <a16:creationId xmlns:a16="http://schemas.microsoft.com/office/drawing/2014/main" id="{65291F81-FAFC-410A-52ED-28510036D9B5}"/>
               </a:ext>
             </a:extLst>
           </p:cNvPr>
@@ -2801,7 +2801,7 @@
           <p:cNvPr id="3" name="文本占位符 2">
             <a:extLst>
               <a:ext uri="{FF2B5EF4-FFF2-40B4-BE49-F238E27FC236}">
-                <a16:creationId xmlns:a16="http://schemas.microsoft.com/office/drawing/2014/main" id="{F9787834-1F5B-DBE2-0BBB-B621D0721C79}"/>
+                <a16:creationId xmlns:a16="http://schemas.microsoft.com/office/drawing/2014/main" id="{5847E2A3-BE32-4504-A113-4F6DD6B5F759}"/>
               </a:ext>
             </a:extLst>
           </p:cNvPr>
@@ -2868,7 +2868,7 @@
           <p:cNvPr id="4" name="日期占位符 3">
             <a:extLst>
               <a:ext uri="{FF2B5EF4-FFF2-40B4-BE49-F238E27FC236}">
-                <a16:creationId xmlns:a16="http://schemas.microsoft.com/office/drawing/2014/main" id="{B5790278-46CF-62F1-E715-7B719348990C}"/>
+                <a16:creationId xmlns:a16="http://schemas.microsoft.com/office/drawing/2014/main" id="{4E07A026-2F14-98D0-F07B-28BE394FBCAB}"/>
               </a:ext>
             </a:extLst>
           </p:cNvPr>
@@ -2902,7 +2902,7 @@
             </a:lvl1pPr>
           </a:lstStyle>
           <a:p>
-            <a:fld id="{EB5F8DF1-6E00-452E-872D-6C416F0B9797}" type="datetimeFigureOut">
+            <a:fld id="{242759AB-C17F-45A1-B370-E232CF37E54C}" type="datetimeFigureOut">
               <a:rPr lang="zh-CN" altLang="en-US" smtClean="0"/>
               <a:t>2024/3/10</a:t>
             </a:fld>
@@ -2915,7 +2915,7 @@
           <p:cNvPr id="5" name="页脚占位符 4">
             <a:extLst>
               <a:ext uri="{FF2B5EF4-FFF2-40B4-BE49-F238E27FC236}">
-                <a16:creationId xmlns:a16="http://schemas.microsoft.com/office/drawing/2014/main" id="{AD614B95-A7BE-F0BD-7368-A46E7C9E84D6}"/>
+                <a16:creationId xmlns:a16="http://schemas.microsoft.com/office/drawing/2014/main" id="{E55AE588-046F-E109-B30B-0CFA6E8BDE06}"/>
               </a:ext>
             </a:extLst>
           </p:cNvPr>
@@ -2958,7 +2958,7 @@
           <p:cNvPr id="6" name="灯片编号占位符 5">
             <a:extLst>
               <a:ext uri="{FF2B5EF4-FFF2-40B4-BE49-F238E27FC236}">
-                <a16:creationId xmlns:a16="http://schemas.microsoft.com/office/drawing/2014/main" id="{19E90214-41E2-1966-A742-4902DDB20016}"/>
+                <a16:creationId xmlns:a16="http://schemas.microsoft.com/office/drawing/2014/main" id="{2D369DBD-BC82-DFA1-29DD-63F6541A22A2}"/>
               </a:ext>
             </a:extLst>
           </p:cNvPr>
@@ -2992,7 +2992,7 @@
             </a:lvl1pPr>
           </a:lstStyle>
           <a:p>
-            <a:fld id="{CCEA99EE-CDAA-4617-92F2-A9B00AF71AF6}" type="slidenum">
+            <a:fld id="{40F2AB8C-293A-41ED-83BF-5A304D81A687}" type="slidenum">
               <a:rPr lang="zh-CN" altLang="en-US" smtClean="0"/>
               <a:t>‹#›</a:t>
             </a:fld>
@@ -3003,7 +3003,7 @@
     </p:spTree>
     <p:extLst>
       <p:ext uri="{BB962C8B-B14F-4D97-AF65-F5344CB8AC3E}">
-        <p14:creationId xmlns:p14="http://schemas.microsoft.com/office/powerpoint/2010/main" val="994286334"/>
+        <p14:creationId xmlns:p14="http://schemas.microsoft.com/office/powerpoint/2010/main" val="1304849614"/>
       </p:ext>
     </p:extLst>
   </p:cSld>
